--- a/Heart_Failure_ppt.pptx
+++ b/Heart_Failure_ppt.pptx
@@ -6,7 +6,7 @@
     <p:sldMasterId id="2147483792" r:id="rId2"/>
   </p:sldMasterIdLst>
   <p:notesMasterIdLst>
-    <p:notesMasterId r:id="rId20"/>
+    <p:notesMasterId r:id="rId22"/>
   </p:notesMasterIdLst>
   <p:sldIdLst>
     <p:sldId id="256" r:id="rId3"/>
@@ -25,7 +25,9 @@
     <p:sldId id="272" r:id="rId16"/>
     <p:sldId id="273" r:id="rId17"/>
     <p:sldId id="270" r:id="rId18"/>
-    <p:sldId id="271" r:id="rId19"/>
+    <p:sldId id="274" r:id="rId19"/>
+    <p:sldId id="275" r:id="rId20"/>
+    <p:sldId id="271" r:id="rId21"/>
   </p:sldIdLst>
   <p:sldSz cx="9144000" cy="6858000" type="screen4x3"/>
   <p:notesSz cx="6858000" cy="9144000"/>
@@ -209,7 +211,7 @@
           <a:p>
             <a:fld id="{51FE4F9A-1FBC-4094-93DF-9CD6350FB02C}" type="datetimeFigureOut">
               <a:rPr lang="en-US" smtClean="0"/>
-              <a:t>8/2/2020</a:t>
+              <a:t>8/7/2020</a:t>
             </a:fld>
             <a:endParaRPr lang="en-US"/>
           </a:p>
@@ -1135,7 +1137,7 @@
           <a:p>
             <a:fld id="{35CFCB40-CBCF-4101-BA3B-8A11298608B3}" type="datetime1">
               <a:rPr lang="en-US" smtClean="0"/>
-              <a:t>8/2/2020</a:t>
+              <a:t>8/7/2020</a:t>
             </a:fld>
             <a:endParaRPr lang="en-US"/>
           </a:p>
@@ -1318,7 +1320,7 @@
           <a:p>
             <a:fld id="{A898D351-1018-4652-A071-98045A73F7F4}" type="datetime1">
               <a:rPr lang="en-US" smtClean="0"/>
-              <a:t>8/2/2020</a:t>
+              <a:t>8/7/2020</a:t>
             </a:fld>
             <a:endParaRPr lang="en-US"/>
           </a:p>
@@ -1493,7 +1495,7 @@
           <a:p>
             <a:fld id="{162D8C4E-5396-43FA-9532-877E1158A25D}" type="datetime1">
               <a:rPr lang="en-US" smtClean="0"/>
-              <a:t>8/2/2020</a:t>
+              <a:t>8/7/2020</a:t>
             </a:fld>
             <a:endParaRPr lang="en-US"/>
           </a:p>
@@ -2176,7 +2178,7 @@
           <a:p>
             <a:fld id="{BB52CE51-A6F8-47E7-8BC8-B082E657D6C6}" type="datetime1">
               <a:rPr lang="en-US" smtClean="0"/>
-              <a:t>8/2/2020</a:t>
+              <a:t>8/7/2020</a:t>
             </a:fld>
             <a:endParaRPr lang="en-US"/>
           </a:p>
@@ -2355,7 +2357,7 @@
           <a:p>
             <a:fld id="{AA6AF046-2F65-41FA-8725-418D66B5688A}" type="datetime1">
               <a:rPr lang="en-US" smtClean="0"/>
-              <a:t>8/2/2020</a:t>
+              <a:t>8/7/2020</a:t>
             </a:fld>
             <a:endParaRPr lang="en-US"/>
           </a:p>
@@ -2594,7 +2596,7 @@
           <a:p>
             <a:fld id="{0D7DD060-C947-4B6C-976C-724CDF3C2F4F}" type="datetime1">
               <a:rPr lang="en-US" smtClean="0"/>
-              <a:t>8/2/2020</a:t>
+              <a:t>8/7/2020</a:t>
             </a:fld>
             <a:endParaRPr lang="en-US"/>
           </a:p>
@@ -2707,7 +2709,7 @@
           <a:p>
             <a:fld id="{C853265E-9A02-4749-A2B4-9FF153356137}" type="datetime1">
               <a:rPr lang="en-US" smtClean="0"/>
-              <a:t>8/2/2020</a:t>
+              <a:t>8/7/2020</a:t>
             </a:fld>
             <a:endParaRPr lang="en-US"/>
           </a:p>
@@ -3080,7 +3082,7 @@
           <a:p>
             <a:fld id="{296A9DCA-771D-4CF0-B793-D0989424527E}" type="datetime1">
               <a:rPr lang="en-US" smtClean="0"/>
-              <a:t>8/2/2020</a:t>
+              <a:t>8/7/2020</a:t>
             </a:fld>
             <a:endParaRPr lang="en-US"/>
           </a:p>
@@ -3307,7 +3309,7 @@
           <a:p>
             <a:fld id="{72072223-661F-4FF3-A399-8644F25C07AF}" type="datetime1">
               <a:rPr lang="en-US" smtClean="0"/>
-              <a:t>8/2/2020</a:t>
+              <a:t>8/7/2020</a:t>
             </a:fld>
             <a:endParaRPr lang="en-US"/>
           </a:p>
@@ -3397,7 +3399,7 @@
           <a:p>
             <a:fld id="{4D381DA4-FDD2-4E4F-B947-7BB0EB6B9578}" type="datetime1">
               <a:rPr lang="en-US" smtClean="0"/>
-              <a:t>8/2/2020</a:t>
+              <a:t>8/7/2020</a:t>
             </a:fld>
             <a:endParaRPr lang="en-US"/>
           </a:p>
@@ -4224,7 +4226,7 @@
           <a:p>
             <a:fld id="{BBFCA815-5B9E-40DD-89BA-8749FC0C2AA0}" type="datetime1">
               <a:rPr lang="en-US" smtClean="0"/>
-              <a:t>8/2/2020</a:t>
+              <a:t>8/7/2020</a:t>
             </a:fld>
             <a:endParaRPr lang="en-US"/>
           </a:p>
@@ -4399,7 +4401,7 @@
           <a:p>
             <a:fld id="{3498854B-E193-4102-B6C5-E98B7810F1AA}" type="datetime1">
               <a:rPr lang="en-US" smtClean="0"/>
-              <a:t>8/2/2020</a:t>
+              <a:t>8/7/2020</a:t>
             </a:fld>
             <a:endParaRPr lang="en-US"/>
           </a:p>
@@ -5220,7 +5222,7 @@
           <a:p>
             <a:fld id="{739CC1AD-2646-4B2D-8EFB-760DDAD4D566}" type="datetime1">
               <a:rPr lang="en-US" smtClean="0"/>
-              <a:t>8/2/2020</a:t>
+              <a:t>8/7/2020</a:t>
             </a:fld>
             <a:endParaRPr lang="en-US"/>
           </a:p>
@@ -5395,7 +5397,7 @@
           <a:p>
             <a:fld id="{2E2C540D-80D0-4233-BA5E-8CE7725124E4}" type="datetime1">
               <a:rPr lang="en-US" smtClean="0"/>
-              <a:t>8/2/2020</a:t>
+              <a:t>8/7/2020</a:t>
             </a:fld>
             <a:endParaRPr lang="en-US"/>
           </a:p>
@@ -5574,7 +5576,7 @@
           <a:p>
             <a:fld id="{D3660C74-1F94-40A8-86AC-DEE15AB7668B}" type="datetime1">
               <a:rPr lang="en-US" smtClean="0"/>
-              <a:t>8/2/2020</a:t>
+              <a:t>8/7/2020</a:t>
             </a:fld>
             <a:endParaRPr lang="en-US"/>
           </a:p>
@@ -5795,7 +5797,7 @@
           <a:p>
             <a:fld id="{947CCDF5-290D-4494-8238-1A6A2ED8FD82}" type="datetime1">
               <a:rPr lang="en-US" smtClean="0"/>
-              <a:t>8/2/2020</a:t>
+              <a:t>8/7/2020</a:t>
             </a:fld>
             <a:endParaRPr lang="en-US"/>
           </a:p>
@@ -6054,7 +6056,7 @@
           <a:p>
             <a:fld id="{DACC01A6-A24C-4201-AE33-3C0F76573F5B}" type="datetime1">
               <a:rPr lang="en-US" smtClean="0"/>
-              <a:t>8/2/2020</a:t>
+              <a:t>8/7/2020</a:t>
             </a:fld>
             <a:endParaRPr lang="en-US"/>
           </a:p>
@@ -6458,7 +6460,7 @@
           <a:p>
             <a:fld id="{7EA0260E-19A5-46AE-91FA-AEF51C9D2DCE}" type="datetime1">
               <a:rPr lang="en-US" smtClean="0"/>
-              <a:t>8/2/2020</a:t>
+              <a:t>8/7/2020</a:t>
             </a:fld>
             <a:endParaRPr lang="en-US"/>
           </a:p>
@@ -6589,7 +6591,7 @@
           <a:p>
             <a:fld id="{C44A00FD-F974-4C3D-8189-D79D21C28A5D}" type="datetime1">
               <a:rPr lang="en-US" smtClean="0"/>
-              <a:t>8/2/2020</a:t>
+              <a:t>8/7/2020</a:t>
             </a:fld>
             <a:endParaRPr lang="en-US"/>
           </a:p>
@@ -6689,7 +6691,7 @@
           <a:p>
             <a:fld id="{31A10AAD-1611-4B42-A7D1-3229FB637E02}" type="datetime1">
               <a:rPr lang="en-US" smtClean="0"/>
-              <a:t>8/2/2020</a:t>
+              <a:t>8/7/2020</a:t>
             </a:fld>
             <a:endParaRPr lang="en-US"/>
           </a:p>
@@ -6934,7 +6936,7 @@
           <a:p>
             <a:fld id="{106E41A2-C2B9-4CF8-BF61-AB30345871A5}" type="datetime1">
               <a:rPr lang="en-US" smtClean="0"/>
-              <a:t>8/2/2020</a:t>
+              <a:t>8/7/2020</a:t>
             </a:fld>
             <a:endParaRPr lang="en-US"/>
           </a:p>
@@ -7178,7 +7180,7 @@
           <a:p>
             <a:fld id="{8D46669B-33AE-4D36-B933-6CB36C8F26DD}" type="datetime1">
               <a:rPr lang="en-US" smtClean="0"/>
-              <a:t>8/2/2020</a:t>
+              <a:t>8/7/2020</a:t>
             </a:fld>
             <a:endParaRPr lang="en-US"/>
           </a:p>
@@ -8002,7 +8004,7 @@
           <a:p>
             <a:fld id="{A06698B1-9B3A-4857-9459-9552CF78CA0C}" type="datetime1">
               <a:rPr lang="en-US" smtClean="0"/>
-              <a:t>8/2/2020</a:t>
+              <a:t>8/7/2020</a:t>
             </a:fld>
             <a:endParaRPr lang="en-US"/>
           </a:p>
@@ -8964,7 +8966,7 @@
           <a:p>
             <a:fld id="{D472F090-6BFB-45C8-B7EE-0CA7D2BB325C}" type="datetime1">
               <a:rPr lang="en-US" smtClean="0"/>
-              <a:t>8/2/2020</a:t>
+              <a:t>8/7/2020</a:t>
             </a:fld>
             <a:endParaRPr lang="en-US"/>
           </a:p>
@@ -9442,12 +9444,14 @@
           </a:xfrm>
         </p:spPr>
         <p:txBody>
-          <a:bodyPr/>
+          <a:bodyPr>
+            <a:normAutofit fontScale="90000"/>
+          </a:bodyPr>
           <a:lstStyle/>
           <a:p>
             <a:r>
               <a:rPr lang="en-US" sz="5400" dirty="0" smtClean="0"/>
-              <a:t>HEART FAILURE</a:t>
+              <a:t>HEART FAILURE PREDICTION</a:t>
             </a:r>
             <a:endParaRPr lang="en-US" dirty="0"/>
           </a:p>
@@ -10174,17 +10178,12 @@
             </a:r>
             <a:r>
               <a:rPr lang="en-US" sz="1800" dirty="0"/>
-              <a:t>hence these 2 features can be </a:t>
-            </a:r>
-            <a:r>
-              <a:rPr lang="en-US" sz="1800" dirty="0"/>
-              <a:t>removed, but we are not getting better results</a:t>
+              <a:t>hence these 2 features can be removed, but we are not getting better results</a:t>
             </a:r>
             <a:r>
               <a:rPr lang="en-US" sz="1800" dirty="0" smtClean="0"/>
               <a:t>. </a:t>
             </a:r>
-            <a:endParaRPr lang="en-US" sz="1800" dirty="0" smtClean="0"/>
           </a:p>
           <a:p>
             <a:pPr marL="109728" indent="0">
@@ -10461,8 +10460,20 @@
             </a:r>
             <a:r>
               <a:rPr lang="en-US" sz="1800" dirty="0" smtClean="0"/>
-              <a:t>    - Decision Tree</a:t>
-            </a:r>
+              <a:t>    - Decision </a:t>
+            </a:r>
+            <a:r>
+              <a:rPr lang="en-US" sz="1800" dirty="0" smtClean="0"/>
+              <a:t>Tree</a:t>
+            </a:r>
+          </a:p>
+          <a:p>
+            <a:pPr marL="109728" indent="0">
+              <a:buClrTx/>
+              <a:buSzPct val="120000"/>
+              <a:buNone/>
+            </a:pPr>
+            <a:endParaRPr lang="en-US" sz="1800" dirty="0" smtClean="0"/>
           </a:p>
           <a:p>
             <a:pPr>
@@ -10852,11 +10863,7 @@
             </a:pPr>
             <a:r>
               <a:rPr lang="en-US" sz="1800" dirty="0" smtClean="0"/>
-              <a:t>As per the studies and EDA, we can conclude that the Target feature is majorly dependent on the </a:t>
-            </a:r>
-            <a:r>
-              <a:rPr lang="en-US" sz="1800" dirty="0" smtClean="0"/>
-              <a:t>features</a:t>
+              <a:t>As per the studies and EDA, we can conclude that the Target feature is majorly dependent on the features</a:t>
             </a:r>
             <a:r>
               <a:rPr lang="en-US" sz="1800" dirty="0"/>
@@ -10864,31 +10871,7 @@
             </a:r>
             <a:r>
               <a:rPr lang="en-US" sz="1800" dirty="0" smtClean="0"/>
-              <a:t>Ejection Fraction, High </a:t>
-            </a:r>
-            <a:r>
-              <a:rPr lang="en-US" sz="1800" dirty="0" smtClean="0"/>
-              <a:t>Blood </a:t>
-            </a:r>
-            <a:r>
-              <a:rPr lang="en-US" sz="1800" dirty="0" smtClean="0"/>
-              <a:t>Pressure, Serum </a:t>
-            </a:r>
-            <a:r>
-              <a:rPr lang="en-US" sz="1800" dirty="0" smtClean="0"/>
-              <a:t>Creatinine </a:t>
-            </a:r>
-            <a:r>
-              <a:rPr lang="en-US" sz="1800" dirty="0" smtClean="0"/>
-              <a:t>, Smoking</a:t>
-            </a:r>
-            <a:r>
-              <a:rPr lang="en-US" sz="1800" dirty="0" smtClean="0"/>
-              <a:t>, </a:t>
-            </a:r>
-            <a:r>
-              <a:rPr lang="en-US" sz="1800" dirty="0" smtClean="0"/>
-              <a:t>Diabetes.</a:t>
+              <a:t>Ejection Fraction, High Blood Pressure, Serum Creatinine , Smoking, Diabetes.</a:t>
             </a:r>
           </a:p>
           <a:p>
@@ -10906,11 +10889,7 @@
             </a:pPr>
             <a:r>
               <a:rPr lang="en-US" sz="1800" dirty="0" smtClean="0"/>
-              <a:t>As per the visualization, features such as Age, Sex and Time are partially impacting the Death Event. But these can’t be the exact or appropriate reasons for the occurrence of Heart Failure</a:t>
-            </a:r>
-            <a:r>
-              <a:rPr lang="en-US" sz="1800" dirty="0" smtClean="0"/>
-              <a:t>.</a:t>
+              <a:t>As per the visualization, features such as Age, Sex and Time are partially impacting the Death Event. But these can’t be the exact or appropriate reasons for the occurrence of Heart Failure.</a:t>
             </a:r>
           </a:p>
           <a:p>
@@ -10964,7 +10943,23 @@
             </a:r>
             <a:r>
               <a:rPr lang="en-US" sz="1800" i="1" dirty="0"/>
-              <a:t>Decision Tree Algorithm</a:t>
+              <a:t>Decision Tree </a:t>
+            </a:r>
+            <a:r>
+              <a:rPr lang="en-US" sz="1800" i="1" dirty="0" smtClean="0"/>
+              <a:t>Algorithm </a:t>
+            </a:r>
+            <a:r>
+              <a:rPr lang="en-US" sz="1800" dirty="0" smtClean="0"/>
+              <a:t>as it is providing </a:t>
+            </a:r>
+            <a:r>
+              <a:rPr lang="en-US" sz="1800" i="1" dirty="0"/>
+              <a:t>M</a:t>
+            </a:r>
+            <a:r>
+              <a:rPr lang="en-US" sz="1800" i="1" dirty="0" smtClean="0"/>
+              <a:t>aximum Accuracy</a:t>
             </a:r>
             <a:r>
               <a:rPr lang="en-US" sz="1800" dirty="0" smtClean="0"/>
@@ -11047,6 +11042,516 @@
       </p:grpSpPr>
       <p:sp>
         <p:nvSpPr>
+          <p:cNvPr id="2" name="Title 1"/>
+          <p:cNvSpPr>
+            <a:spLocks noGrp="1"/>
+          </p:cNvSpPr>
+          <p:nvPr>
+            <p:ph type="title"/>
+          </p:nvPr>
+        </p:nvSpPr>
+        <p:spPr>
+          <a:xfrm>
+            <a:off x="457200" y="838200"/>
+            <a:ext cx="8229600" cy="762000"/>
+          </a:xfrm>
+        </p:spPr>
+        <p:txBody>
+          <a:bodyPr/>
+          <a:lstStyle/>
+          <a:p>
+            <a:r>
+              <a:rPr lang="en-US" dirty="0" smtClean="0"/>
+              <a:t>REFERENCE</a:t>
+            </a:r>
+            <a:endParaRPr lang="en-US" dirty="0"/>
+          </a:p>
+        </p:txBody>
+      </p:sp>
+      <p:sp>
+        <p:nvSpPr>
+          <p:cNvPr id="3" name="Content Placeholder 2"/>
+          <p:cNvSpPr>
+            <a:spLocks noGrp="1"/>
+          </p:cNvSpPr>
+          <p:nvPr>
+            <p:ph idx="1"/>
+          </p:nvPr>
+        </p:nvSpPr>
+        <p:spPr>
+          <a:xfrm>
+            <a:off x="457200" y="1752600"/>
+            <a:ext cx="8229600" cy="4821936"/>
+          </a:xfrm>
+        </p:spPr>
+        <p:txBody>
+          <a:bodyPr>
+            <a:normAutofit/>
+          </a:bodyPr>
+          <a:lstStyle/>
+          <a:p>
+            <a:r>
+              <a:rPr lang="en-US" sz="1800" dirty="0">
+                <a:hlinkClick r:id="rId2"/>
+              </a:rPr>
+              <a:t>https://www.ucsfhealth.org/medical-tests/003481#:~:text=The%20normal%20range%20for%20blood,of%20your%20specific%20test%20results</a:t>
+            </a:r>
+            <a:r>
+              <a:rPr lang="en-US" sz="1800" dirty="0" smtClean="0">
+                <a:hlinkClick r:id="rId2"/>
+              </a:rPr>
+              <a:t>.</a:t>
+            </a:r>
+            <a:endParaRPr lang="en-US" sz="1800" dirty="0" smtClean="0"/>
+          </a:p>
+          <a:p>
+            <a:r>
+              <a:rPr lang="en-US" sz="1800" dirty="0">
+                <a:hlinkClick r:id="rId3"/>
+              </a:rPr>
+              <a:t>https://</a:t>
+            </a:r>
+            <a:r>
+              <a:rPr lang="en-US" sz="1800" dirty="0" smtClean="0">
+                <a:hlinkClick r:id="rId3"/>
+              </a:rPr>
+              <a:t>www.pharmacytimes.com/news/mild-coronary-artery-disease-puts-diabetics-at-cardiovascular-risk</a:t>
+            </a:r>
+            <a:endParaRPr lang="en-US" sz="1800" dirty="0" smtClean="0"/>
+          </a:p>
+          <a:p>
+            <a:r>
+              <a:rPr lang="en-US" sz="1800" dirty="0">
+                <a:hlinkClick r:id="rId4"/>
+              </a:rPr>
+              <a:t>https://</a:t>
+            </a:r>
+            <a:r>
+              <a:rPr lang="en-US" sz="1800" dirty="0" smtClean="0">
+                <a:hlinkClick r:id="rId4"/>
+              </a:rPr>
+              <a:t>www.pharmacytimes.com/news/prostate-cancer-treatment-decreases-survival-in-men-with-longer-life-expectancy</a:t>
+            </a:r>
+            <a:endParaRPr lang="en-US" sz="1800" dirty="0" smtClean="0"/>
+          </a:p>
+          <a:p>
+            <a:r>
+              <a:rPr lang="en-US" sz="1800" dirty="0">
+                <a:hlinkClick r:id="rId5"/>
+              </a:rPr>
+              <a:t>https://</a:t>
+            </a:r>
+            <a:r>
+              <a:rPr lang="en-US" sz="1800" dirty="0" smtClean="0">
+                <a:hlinkClick r:id="rId5"/>
+              </a:rPr>
+              <a:t>www.pharmacytimes.com/news/Mild-Coronary-Artery-Disease-Puts-Diabetics-at-Cardiovascular-Risk</a:t>
+            </a:r>
+            <a:endParaRPr lang="en-US" sz="1800" dirty="0" smtClean="0"/>
+          </a:p>
+          <a:p>
+            <a:r>
+              <a:rPr lang="en-US" sz="1800" dirty="0">
+                <a:hlinkClick r:id="rId6"/>
+              </a:rPr>
+              <a:t>https://</a:t>
+            </a:r>
+            <a:r>
+              <a:rPr lang="en-US" sz="1800" dirty="0" smtClean="0">
+                <a:hlinkClick r:id="rId6"/>
+              </a:rPr>
+              <a:t>www.healthline.com/health/kidney-function-tests#procedures</a:t>
+            </a:r>
+            <a:endParaRPr lang="en-US" sz="1800" dirty="0" smtClean="0"/>
+          </a:p>
+          <a:p>
+            <a:r>
+              <a:rPr lang="en-US" sz="1800" dirty="0">
+                <a:hlinkClick r:id="rId7"/>
+              </a:rPr>
+              <a:t>https://medlineplus.gov/ency/article/003435.htm#:~:</a:t>
+            </a:r>
+            <a:r>
+              <a:rPr lang="en-US" sz="1800" dirty="0" smtClean="0">
+                <a:hlinkClick r:id="rId7"/>
+              </a:rPr>
+              <a:t>text=Kidney%20function%20tests%20are%20common,Creatinine%20clearance</a:t>
+            </a:r>
+            <a:endParaRPr lang="en-US" sz="1800" dirty="0" smtClean="0"/>
+          </a:p>
+          <a:p>
+            <a:r>
+              <a:rPr lang="en-US" sz="1800" dirty="0">
+                <a:hlinkClick r:id="rId8"/>
+              </a:rPr>
+              <a:t>https://labtestsonline.org/tests/urinalysis</a:t>
+            </a:r>
+            <a:r>
+              <a:rPr lang="en-US" sz="1800" dirty="0" smtClean="0">
+                <a:hlinkClick r:id="rId8"/>
+              </a:rPr>
+              <a:t>#</a:t>
+            </a:r>
+            <a:endParaRPr lang="en-US" sz="1800" dirty="0" smtClean="0"/>
+          </a:p>
+          <a:p>
+            <a:r>
+              <a:rPr lang="en-US" sz="1800" dirty="0">
+                <a:hlinkClick r:id="rId9"/>
+              </a:rPr>
+              <a:t>https://</a:t>
+            </a:r>
+            <a:r>
+              <a:rPr lang="en-US" sz="1800" dirty="0" smtClean="0">
+                <a:hlinkClick r:id="rId9"/>
+              </a:rPr>
+              <a:t>www.healthline.com/health/frequent-or-urgent-urination#causes</a:t>
+            </a:r>
+            <a:endParaRPr lang="en-US" sz="1800" dirty="0" smtClean="0"/>
+          </a:p>
+          <a:p>
+            <a:r>
+              <a:rPr lang="en-US" sz="1800" dirty="0">
+                <a:hlinkClick r:id="rId10"/>
+              </a:rPr>
+              <a:t>https://www.healthline.com/health/glucose-test-blood</a:t>
+            </a:r>
+            <a:endParaRPr lang="en-US" sz="1800" dirty="0"/>
+          </a:p>
+        </p:txBody>
+      </p:sp>
+      <p:sp>
+        <p:nvSpPr>
+          <p:cNvPr id="4" name="Slide Number Placeholder 3"/>
+          <p:cNvSpPr>
+            <a:spLocks noGrp="1"/>
+          </p:cNvSpPr>
+          <p:nvPr>
+            <p:ph type="sldNum" sz="quarter" idx="12"/>
+          </p:nvPr>
+        </p:nvSpPr>
+        <p:spPr/>
+        <p:txBody>
+          <a:bodyPr/>
+          <a:lstStyle/>
+          <a:p>
+            <a:fld id="{040ACCB2-3E5D-4803-B6F8-009C54C5BBD1}" type="slidenum">
+              <a:rPr lang="en-US" smtClean="0"/>
+              <a:t>17</a:t>
+            </a:fld>
+            <a:endParaRPr lang="en-US"/>
+          </a:p>
+        </p:txBody>
+      </p:sp>
+    </p:spTree>
+    <p:extLst>
+      <p:ext uri="{BB962C8B-B14F-4D97-AF65-F5344CB8AC3E}">
+        <p14:creationId xmlns:p14="http://schemas.microsoft.com/office/powerpoint/2010/main" val="1890220985"/>
+      </p:ext>
+    </p:extLst>
+  </p:cSld>
+  <p:clrMapOvr>
+    <a:masterClrMapping/>
+  </p:clrMapOvr>
+</p:sld>
+</file>
+
+<file path=ppt/slides/slide18.xml><?xml version="1.0" encoding="utf-8"?>
+<p:sld xmlns:a="http://schemas.openxmlformats.org/drawingml/2006/main" xmlns:r="http://schemas.openxmlformats.org/officeDocument/2006/relationships" xmlns:p="http://schemas.openxmlformats.org/presentationml/2006/main">
+  <p:cSld>
+    <p:spTree>
+      <p:nvGrpSpPr>
+        <p:cNvPr id="1" name=""/>
+        <p:cNvGrpSpPr/>
+        <p:nvPr/>
+      </p:nvGrpSpPr>
+      <p:grpSpPr>
+        <a:xfrm>
+          <a:off x="0" y="0"/>
+          <a:ext cx="0" cy="0"/>
+          <a:chOff x="0" y="0"/>
+          <a:chExt cx="0" cy="0"/>
+        </a:xfrm>
+      </p:grpSpPr>
+      <p:sp>
+        <p:nvSpPr>
+          <p:cNvPr id="3" name="Content Placeholder 2"/>
+          <p:cNvSpPr>
+            <a:spLocks noGrp="1"/>
+          </p:cNvSpPr>
+          <p:nvPr>
+            <p:ph idx="1"/>
+          </p:nvPr>
+        </p:nvSpPr>
+        <p:spPr>
+          <a:xfrm>
+            <a:off x="457200" y="914400"/>
+            <a:ext cx="8229600" cy="5660136"/>
+          </a:xfrm>
+        </p:spPr>
+        <p:txBody>
+          <a:bodyPr>
+            <a:normAutofit/>
+          </a:bodyPr>
+          <a:lstStyle/>
+          <a:p>
+            <a:r>
+              <a:rPr lang="en-US" sz="1800" dirty="0">
+                <a:hlinkClick r:id="rId2"/>
+              </a:rPr>
+              <a:t>https://</a:t>
+            </a:r>
+            <a:r>
+              <a:rPr lang="en-US" sz="1800" dirty="0" smtClean="0">
+                <a:hlinkClick r:id="rId2"/>
+              </a:rPr>
+              <a:t>www.healthline.com/health/high-cholesterol</a:t>
+            </a:r>
+            <a:endParaRPr lang="en-US" sz="1800" dirty="0" smtClean="0"/>
+          </a:p>
+          <a:p>
+            <a:r>
+              <a:rPr lang="en-US" sz="1800" dirty="0">
+                <a:hlinkClick r:id="rId3"/>
+              </a:rPr>
+              <a:t>https://</a:t>
+            </a:r>
+            <a:r>
+              <a:rPr lang="en-US" sz="1800" dirty="0" smtClean="0">
+                <a:hlinkClick r:id="rId3"/>
+              </a:rPr>
+              <a:t>www.healthline.com/health/high-blood-pressure-hypertension#overview</a:t>
+            </a:r>
+            <a:endParaRPr lang="en-US" sz="1800" dirty="0" smtClean="0"/>
+          </a:p>
+          <a:p>
+            <a:r>
+              <a:rPr lang="en-US" sz="1800" dirty="0">
+                <a:hlinkClick r:id="rId4"/>
+              </a:rPr>
+              <a:t>https://</a:t>
+            </a:r>
+            <a:r>
+              <a:rPr lang="en-US" sz="1800" dirty="0" smtClean="0">
+                <a:hlinkClick r:id="rId4"/>
+              </a:rPr>
+              <a:t>www.healthline.com/health/hdl-test#risks</a:t>
+            </a:r>
+            <a:endParaRPr lang="en-US" sz="1800" dirty="0" smtClean="0"/>
+          </a:p>
+          <a:p>
+            <a:r>
+              <a:rPr lang="en-US" sz="1800" dirty="0">
+                <a:hlinkClick r:id="rId5"/>
+              </a:rPr>
+              <a:t>https://</a:t>
+            </a:r>
+            <a:r>
+              <a:rPr lang="en-US" sz="1800" dirty="0" smtClean="0">
+                <a:hlinkClick r:id="rId5"/>
+              </a:rPr>
+              <a:t>www.healthline.com/nutrition/high-cholesterol-foods</a:t>
+            </a:r>
+            <a:endParaRPr lang="en-US" sz="1800" dirty="0" smtClean="0"/>
+          </a:p>
+          <a:p>
+            <a:r>
+              <a:rPr lang="en-US" sz="1800" dirty="0">
+                <a:hlinkClick r:id="rId6"/>
+              </a:rPr>
+              <a:t>https://</a:t>
+            </a:r>
+            <a:r>
+              <a:rPr lang="en-US" sz="1800" dirty="0" smtClean="0">
+                <a:hlinkClick r:id="rId6"/>
+              </a:rPr>
+              <a:t>www.healthline.com/health/ldl-cholesterol</a:t>
+            </a:r>
+            <a:endParaRPr lang="en-US" sz="1800" dirty="0" smtClean="0"/>
+          </a:p>
+          <a:p>
+            <a:r>
+              <a:rPr lang="en-US" sz="1800" dirty="0">
+                <a:hlinkClick r:id="rId6"/>
+              </a:rPr>
+              <a:t>https://</a:t>
+            </a:r>
+            <a:r>
+              <a:rPr lang="en-US" sz="1800" dirty="0" smtClean="0">
+                <a:hlinkClick r:id="rId6"/>
+              </a:rPr>
+              <a:t>www.healthline.com/health/ldl-cholesterol</a:t>
+            </a:r>
+            <a:endParaRPr lang="en-US" sz="1800" dirty="0" smtClean="0"/>
+          </a:p>
+          <a:p>
+            <a:r>
+              <a:rPr lang="en-US" sz="1800" dirty="0">
+                <a:hlinkClick r:id="rId7"/>
+              </a:rPr>
+              <a:t>https://</a:t>
+            </a:r>
+            <a:r>
+              <a:rPr lang="en-US" sz="1800" dirty="0" smtClean="0">
+                <a:hlinkClick r:id="rId7"/>
+              </a:rPr>
+              <a:t>www.healthline.com/health/kidney-failure#diabetes</a:t>
+            </a:r>
+            <a:endParaRPr lang="en-US" sz="1800" dirty="0" smtClean="0"/>
+          </a:p>
+          <a:p>
+            <a:r>
+              <a:rPr lang="en-US" sz="1800" dirty="0">
+                <a:hlinkClick r:id="rId8"/>
+              </a:rPr>
+              <a:t>https://</a:t>
+            </a:r>
+            <a:r>
+              <a:rPr lang="en-US" sz="1800" dirty="0" smtClean="0">
+                <a:hlinkClick r:id="rId8"/>
+              </a:rPr>
+              <a:t>www.healthline.com/health/triglyceride-level#treatments</a:t>
+            </a:r>
+            <a:endParaRPr lang="en-US" sz="1800" dirty="0" smtClean="0"/>
+          </a:p>
+          <a:p>
+            <a:r>
+              <a:rPr lang="en-US" sz="1800" dirty="0">
+                <a:hlinkClick r:id="rId9"/>
+              </a:rPr>
+              <a:t>https://</a:t>
+            </a:r>
+            <a:r>
+              <a:rPr lang="en-US" sz="1800" dirty="0" smtClean="0">
+                <a:hlinkClick r:id="rId9"/>
+              </a:rPr>
+              <a:t>www.healthline.com/health/diabetes/insulin-resistance-symptoms#TOC_TITLE_HDR_1</a:t>
+            </a:r>
+            <a:endParaRPr lang="en-US" sz="1800" dirty="0" smtClean="0"/>
+          </a:p>
+          <a:p>
+            <a:r>
+              <a:rPr lang="en-US" sz="1800" dirty="0">
+                <a:hlinkClick r:id="rId10"/>
+              </a:rPr>
+              <a:t>https://</a:t>
+            </a:r>
+            <a:r>
+              <a:rPr lang="en-US" sz="1800" dirty="0" smtClean="0">
+                <a:hlinkClick r:id="rId10"/>
+              </a:rPr>
+              <a:t>www.healthline.com/health/heart-disease/causes-risks#risk-factors</a:t>
+            </a:r>
+            <a:endParaRPr lang="en-US" sz="1800" dirty="0" smtClean="0"/>
+          </a:p>
+          <a:p>
+            <a:r>
+              <a:rPr lang="en-US" sz="1800" dirty="0">
+                <a:hlinkClick r:id="rId11"/>
+              </a:rPr>
+              <a:t>https://</a:t>
+            </a:r>
+            <a:r>
+              <a:rPr lang="en-US" sz="1800" dirty="0" smtClean="0">
+                <a:hlinkClick r:id="rId11"/>
+              </a:rPr>
+              <a:t>www.healthline.com/health/depression</a:t>
+            </a:r>
+            <a:endParaRPr lang="en-US" sz="1800" dirty="0" smtClean="0"/>
+          </a:p>
+          <a:p>
+            <a:r>
+              <a:rPr lang="en-US" sz="1800" dirty="0">
+                <a:hlinkClick r:id="rId12"/>
+              </a:rPr>
+              <a:t>https://</a:t>
+            </a:r>
+            <a:r>
+              <a:rPr lang="en-US" sz="1800" dirty="0" smtClean="0">
+                <a:hlinkClick r:id="rId12"/>
+              </a:rPr>
+              <a:t>www.medicalnewstoday.com/articles/237191#prevention</a:t>
+            </a:r>
+            <a:endParaRPr lang="en-US" sz="1800" dirty="0" smtClean="0"/>
+          </a:p>
+          <a:p>
+            <a:r>
+              <a:rPr lang="en-US" sz="1800" dirty="0">
+                <a:hlinkClick r:id="rId2"/>
+              </a:rPr>
+              <a:t>https://</a:t>
+            </a:r>
+            <a:r>
+              <a:rPr lang="en-US" sz="1800" dirty="0" smtClean="0">
+                <a:hlinkClick r:id="rId2"/>
+              </a:rPr>
+              <a:t>www.healthline.com/health/high-cholesterol</a:t>
+            </a:r>
+            <a:endParaRPr lang="en-US" sz="1800" dirty="0" smtClean="0"/>
+          </a:p>
+          <a:p>
+            <a:pPr marL="109728" indent="0">
+              <a:buNone/>
+            </a:pPr>
+            <a:endParaRPr lang="en-US" sz="1800" dirty="0"/>
+          </a:p>
+        </p:txBody>
+      </p:sp>
+      <p:sp>
+        <p:nvSpPr>
+          <p:cNvPr id="4" name="Slide Number Placeholder 3"/>
+          <p:cNvSpPr>
+            <a:spLocks noGrp="1"/>
+          </p:cNvSpPr>
+          <p:nvPr>
+            <p:ph type="sldNum" sz="quarter" idx="12"/>
+          </p:nvPr>
+        </p:nvSpPr>
+        <p:spPr/>
+        <p:txBody>
+          <a:bodyPr/>
+          <a:lstStyle/>
+          <a:p>
+            <a:fld id="{040ACCB2-3E5D-4803-B6F8-009C54C5BBD1}" type="slidenum">
+              <a:rPr lang="en-US" smtClean="0"/>
+              <a:t>18</a:t>
+            </a:fld>
+            <a:endParaRPr lang="en-US"/>
+          </a:p>
+        </p:txBody>
+      </p:sp>
+    </p:spTree>
+    <p:extLst>
+      <p:ext uri="{BB962C8B-B14F-4D97-AF65-F5344CB8AC3E}">
+        <p14:creationId xmlns:p14="http://schemas.microsoft.com/office/powerpoint/2010/main" val="1426202020"/>
+      </p:ext>
+    </p:extLst>
+  </p:cSld>
+  <p:clrMapOvr>
+    <a:masterClrMapping/>
+  </p:clrMapOvr>
+</p:sld>
+</file>
+
+<file path=ppt/slides/slide19.xml><?xml version="1.0" encoding="utf-8"?>
+<p:sld xmlns:a="http://schemas.openxmlformats.org/drawingml/2006/main" xmlns:r="http://schemas.openxmlformats.org/officeDocument/2006/relationships" xmlns:p="http://schemas.openxmlformats.org/presentationml/2006/main">
+  <p:cSld>
+    <p:spTree>
+      <p:nvGrpSpPr>
+        <p:cNvPr id="1" name=""/>
+        <p:cNvGrpSpPr/>
+        <p:nvPr/>
+      </p:nvGrpSpPr>
+      <p:grpSpPr>
+        <a:xfrm>
+          <a:off x="0" y="0"/>
+          <a:ext cx="0" cy="0"/>
+          <a:chOff x="0" y="0"/>
+          <a:chExt cx="0" cy="0"/>
+        </a:xfrm>
+      </p:grpSpPr>
+      <p:sp>
+        <p:nvSpPr>
           <p:cNvPr id="3" name="Content Placeholder 2"/>
           <p:cNvSpPr>
             <a:spLocks noGrp="1"/>
@@ -11116,7 +11621,7 @@
           <a:p>
             <a:fld id="{040ACCB2-3E5D-4803-B6F8-009C54C5BBD1}" type="slidenum">
               <a:rPr lang="en-US" smtClean="0"/>
-              <a:t>17</a:t>
+              <a:t>19</a:t>
             </a:fld>
             <a:endParaRPr lang="en-US"/>
           </a:p>
